--- a/DSP/MIkkel-PowerPoints/DSP-05_FIR-linearphase-and-group-delay.pptx
+++ b/DSP/MIkkel-PowerPoints/DSP-05_FIR-linearphase-and-group-delay.pptx
@@ -10,13 +10,15 @@
     <p:sldId id="258" r:id="rId4"/>
     <p:sldId id="259" r:id="rId5"/>
     <p:sldId id="260" r:id="rId6"/>
-    <p:sldId id="263" r:id="rId7"/>
-    <p:sldId id="261" r:id="rId8"/>
-    <p:sldId id="264" r:id="rId9"/>
-    <p:sldId id="262" r:id="rId10"/>
+    <p:sldId id="268" r:id="rId7"/>
+    <p:sldId id="263" r:id="rId8"/>
+    <p:sldId id="261" r:id="rId9"/>
+    <p:sldId id="264" r:id="rId10"/>
     <p:sldId id="265" r:id="rId11"/>
-    <p:sldId id="266" r:id="rId12"/>
-    <p:sldId id="267" r:id="rId13"/>
+    <p:sldId id="262" r:id="rId12"/>
+    <p:sldId id="266" r:id="rId13"/>
+    <p:sldId id="267" r:id="rId14"/>
+    <p:sldId id="269" r:id="rId15"/>
   </p:sldIdLst>
   <p:sldSz cx="12192000" cy="6858000"/>
   <p:notesSz cx="6858000" cy="9144000"/>
@@ -656,7 +658,7 @@
           <a:p>
             <a:fld id="{846CE7D5-CF57-46EF-B807-FDD0502418D4}" type="datetimeFigureOut">
               <a:rPr lang="en-US" smtClean="0"/>
-              <a:t>12/27/2024</a:t>
+              <a:t>1/15/2025</a:t>
             </a:fld>
             <a:endParaRPr lang="en-US"/>
           </a:p>
@@ -698,7 +700,7 @@
           <a:p>
             <a:fld id="{330EA680-D336-4FF7-8B7A-9848BB0A1C32}" type="slidenum">
               <a:rPr lang="en-US" smtClean="0"/>
-              <a:t>‹#›</a:t>
+              <a:t>‹nr.›</a:t>
             </a:fld>
             <a:endParaRPr lang="en-US"/>
           </a:p>
@@ -826,7 +828,7 @@
           <a:p>
             <a:fld id="{846CE7D5-CF57-46EF-B807-FDD0502418D4}" type="datetimeFigureOut">
               <a:rPr lang="en-US" smtClean="0"/>
-              <a:t>12/27/2024</a:t>
+              <a:t>1/15/2025</a:t>
             </a:fld>
             <a:endParaRPr lang="en-US"/>
           </a:p>
@@ -868,7 +870,7 @@
           <a:p>
             <a:fld id="{330EA680-D336-4FF7-8B7A-9848BB0A1C32}" type="slidenum">
               <a:rPr lang="en-US" smtClean="0"/>
-              <a:t>‹#›</a:t>
+              <a:t>‹nr.›</a:t>
             </a:fld>
             <a:endParaRPr lang="en-US"/>
           </a:p>
@@ -1006,7 +1008,7 @@
           <a:p>
             <a:fld id="{846CE7D5-CF57-46EF-B807-FDD0502418D4}" type="datetimeFigureOut">
               <a:rPr lang="en-US" smtClean="0"/>
-              <a:t>12/27/2024</a:t>
+              <a:t>1/15/2025</a:t>
             </a:fld>
             <a:endParaRPr lang="en-US"/>
           </a:p>
@@ -1048,7 +1050,7 @@
           <a:p>
             <a:fld id="{330EA680-D336-4FF7-8B7A-9848BB0A1C32}" type="slidenum">
               <a:rPr lang="en-US" smtClean="0"/>
-              <a:t>‹#›</a:t>
+              <a:t>‹nr.›</a:t>
             </a:fld>
             <a:endParaRPr lang="en-US"/>
           </a:p>
@@ -1176,7 +1178,7 @@
           <a:p>
             <a:fld id="{846CE7D5-CF57-46EF-B807-FDD0502418D4}" type="datetimeFigureOut">
               <a:rPr lang="en-US" smtClean="0"/>
-              <a:t>12/27/2024</a:t>
+              <a:t>1/15/2025</a:t>
             </a:fld>
             <a:endParaRPr lang="en-US"/>
           </a:p>
@@ -1218,7 +1220,7 @@
           <a:p>
             <a:fld id="{330EA680-D336-4FF7-8B7A-9848BB0A1C32}" type="slidenum">
               <a:rPr lang="en-US" smtClean="0"/>
-              <a:t>‹#›</a:t>
+              <a:t>‹nr.›</a:t>
             </a:fld>
             <a:endParaRPr lang="en-US"/>
           </a:p>
@@ -1422,7 +1424,7 @@
           <a:p>
             <a:fld id="{846CE7D5-CF57-46EF-B807-FDD0502418D4}" type="datetimeFigureOut">
               <a:rPr lang="en-US" smtClean="0"/>
-              <a:t>12/27/2024</a:t>
+              <a:t>1/15/2025</a:t>
             </a:fld>
             <a:endParaRPr lang="en-US"/>
           </a:p>
@@ -1464,7 +1466,7 @@
           <a:p>
             <a:fld id="{330EA680-D336-4FF7-8B7A-9848BB0A1C32}" type="slidenum">
               <a:rPr lang="en-US" smtClean="0"/>
-              <a:t>‹#›</a:t>
+              <a:t>‹nr.›</a:t>
             </a:fld>
             <a:endParaRPr lang="en-US"/>
           </a:p>
@@ -1654,7 +1656,7 @@
           <a:p>
             <a:fld id="{846CE7D5-CF57-46EF-B807-FDD0502418D4}" type="datetimeFigureOut">
               <a:rPr lang="en-US" smtClean="0"/>
-              <a:t>12/27/2024</a:t>
+              <a:t>1/15/2025</a:t>
             </a:fld>
             <a:endParaRPr lang="en-US"/>
           </a:p>
@@ -1696,7 +1698,7 @@
           <a:p>
             <a:fld id="{330EA680-D336-4FF7-8B7A-9848BB0A1C32}" type="slidenum">
               <a:rPr lang="en-US" smtClean="0"/>
-              <a:t>‹#›</a:t>
+              <a:t>‹nr.›</a:t>
             </a:fld>
             <a:endParaRPr lang="en-US"/>
           </a:p>
@@ -2021,7 +2023,7 @@
           <a:p>
             <a:fld id="{846CE7D5-CF57-46EF-B807-FDD0502418D4}" type="datetimeFigureOut">
               <a:rPr lang="en-US" smtClean="0"/>
-              <a:t>12/27/2024</a:t>
+              <a:t>1/15/2025</a:t>
             </a:fld>
             <a:endParaRPr lang="en-US"/>
           </a:p>
@@ -2063,7 +2065,7 @@
           <a:p>
             <a:fld id="{330EA680-D336-4FF7-8B7A-9848BB0A1C32}" type="slidenum">
               <a:rPr lang="en-US" smtClean="0"/>
-              <a:t>‹#›</a:t>
+              <a:t>‹nr.›</a:t>
             </a:fld>
             <a:endParaRPr lang="en-US"/>
           </a:p>
@@ -2139,7 +2141,7 @@
           <a:p>
             <a:fld id="{846CE7D5-CF57-46EF-B807-FDD0502418D4}" type="datetimeFigureOut">
               <a:rPr lang="en-US" smtClean="0"/>
-              <a:t>12/27/2024</a:t>
+              <a:t>1/15/2025</a:t>
             </a:fld>
             <a:endParaRPr lang="en-US"/>
           </a:p>
@@ -2181,7 +2183,7 @@
           <a:p>
             <a:fld id="{330EA680-D336-4FF7-8B7A-9848BB0A1C32}" type="slidenum">
               <a:rPr lang="en-US" smtClean="0"/>
-              <a:t>‹#›</a:t>
+              <a:t>‹nr.›</a:t>
             </a:fld>
             <a:endParaRPr lang="en-US"/>
           </a:p>
@@ -2234,7 +2236,7 @@
           <a:p>
             <a:fld id="{846CE7D5-CF57-46EF-B807-FDD0502418D4}" type="datetimeFigureOut">
               <a:rPr lang="en-US" smtClean="0"/>
-              <a:t>12/27/2024</a:t>
+              <a:t>1/15/2025</a:t>
             </a:fld>
             <a:endParaRPr lang="en-US"/>
           </a:p>
@@ -2276,7 +2278,7 @@
           <a:p>
             <a:fld id="{330EA680-D336-4FF7-8B7A-9848BB0A1C32}" type="slidenum">
               <a:rPr lang="en-US" smtClean="0"/>
-              <a:t>‹#›</a:t>
+              <a:t>‹nr.›</a:t>
             </a:fld>
             <a:endParaRPr lang="en-US"/>
           </a:p>
@@ -2511,7 +2513,7 @@
           <a:p>
             <a:fld id="{846CE7D5-CF57-46EF-B807-FDD0502418D4}" type="datetimeFigureOut">
               <a:rPr lang="en-US" smtClean="0"/>
-              <a:t>12/27/2024</a:t>
+              <a:t>1/15/2025</a:t>
             </a:fld>
             <a:endParaRPr lang="en-US"/>
           </a:p>
@@ -2553,7 +2555,7 @@
           <a:p>
             <a:fld id="{330EA680-D336-4FF7-8B7A-9848BB0A1C32}" type="slidenum">
               <a:rPr lang="en-US" smtClean="0"/>
-              <a:t>‹#›</a:t>
+              <a:t>‹nr.›</a:t>
             </a:fld>
             <a:endParaRPr lang="en-US"/>
           </a:p>
@@ -2768,7 +2770,7 @@
           <a:p>
             <a:fld id="{846CE7D5-CF57-46EF-B807-FDD0502418D4}" type="datetimeFigureOut">
               <a:rPr lang="en-US" smtClean="0"/>
-              <a:t>12/27/2024</a:t>
+              <a:t>1/15/2025</a:t>
             </a:fld>
             <a:endParaRPr lang="en-US"/>
           </a:p>
@@ -2810,7 +2812,7 @@
           <a:p>
             <a:fld id="{330EA680-D336-4FF7-8B7A-9848BB0A1C32}" type="slidenum">
               <a:rPr lang="en-US" smtClean="0"/>
-              <a:t>‹#›</a:t>
+              <a:t>‹nr.›</a:t>
             </a:fld>
             <a:endParaRPr lang="en-US"/>
           </a:p>
@@ -2981,7 +2983,7 @@
           <a:p>
             <a:fld id="{846CE7D5-CF57-46EF-B807-FDD0502418D4}" type="datetimeFigureOut">
               <a:rPr lang="en-US" smtClean="0"/>
-              <a:t>12/27/2024</a:t>
+              <a:t>1/15/2025</a:t>
             </a:fld>
             <a:endParaRPr lang="en-US"/>
           </a:p>
@@ -3059,7 +3061,7 @@
           <a:p>
             <a:fld id="{330EA680-D336-4FF7-8B7A-9848BB0A1C32}" type="slidenum">
               <a:rPr lang="en-US" smtClean="0"/>
-              <a:t>‹#›</a:t>
+              <a:t>‹nr.›</a:t>
             </a:fld>
             <a:endParaRPr lang="en-US"/>
           </a:p>
@@ -3562,6 +3564,66 @@
       </p:grpSpPr>
       <p:pic>
         <p:nvPicPr>
+          <p:cNvPr id="4" name="Picture 3" descr="A diagram of a graph&#10;&#10;Description automatically generated">
+            <a:extLst>
+              <a:ext uri="{FF2B5EF4-FFF2-40B4-BE49-F238E27FC236}">
+                <a16:creationId xmlns:a16="http://schemas.microsoft.com/office/drawing/2014/main" id="{4853C189-9753-EF61-2092-E3F3C3EA3668}"/>
+              </a:ext>
+            </a:extLst>
+          </p:cNvPr>
+          <p:cNvPicPr>
+            <a:picLocks noChangeAspect="1"/>
+          </p:cNvPicPr>
+          <p:nvPr/>
+        </p:nvPicPr>
+        <p:blipFill>
+          <a:blip r:embed="rId2"/>
+          <a:stretch>
+            <a:fillRect/>
+          </a:stretch>
+        </p:blipFill>
+        <p:spPr>
+          <a:xfrm>
+            <a:off x="2700338" y="1071563"/>
+            <a:ext cx="6791325" cy="4714875"/>
+          </a:xfrm>
+          <a:prstGeom prst="rect">
+            <a:avLst/>
+          </a:prstGeom>
+        </p:spPr>
+      </p:pic>
+    </p:spTree>
+    <p:extLst>
+      <p:ext uri="{BB962C8B-B14F-4D97-AF65-F5344CB8AC3E}">
+        <p14:creationId xmlns:p14="http://schemas.microsoft.com/office/powerpoint/2010/main" val="967736194"/>
+      </p:ext>
+    </p:extLst>
+  </p:cSld>
+  <p:clrMapOvr>
+    <a:masterClrMapping/>
+  </p:clrMapOvr>
+</p:sld>
+</file>
+
+<file path=ppt/slides/slide12.xml><?xml version="1.0" encoding="utf-8"?>
+<p:sld xmlns:a="http://schemas.openxmlformats.org/drawingml/2006/main" xmlns:r="http://schemas.openxmlformats.org/officeDocument/2006/relationships" xmlns:p="http://schemas.openxmlformats.org/presentationml/2006/main">
+  <p:cSld>
+    <p:spTree>
+      <p:nvGrpSpPr>
+        <p:cNvPr id="1" name=""/>
+        <p:cNvGrpSpPr/>
+        <p:nvPr/>
+      </p:nvGrpSpPr>
+      <p:grpSpPr>
+        <a:xfrm>
+          <a:off x="0" y="0"/>
+          <a:ext cx="0" cy="0"/>
+          <a:chOff x="0" y="0"/>
+          <a:chExt cx="0" cy="0"/>
+        </a:xfrm>
+      </p:grpSpPr>
+      <p:pic>
+        <p:nvPicPr>
           <p:cNvPr id="4" name="Picture 3" descr="A diagram of a function&#10;&#10;Description automatically generated">
             <a:extLst>
               <a:ext uri="{FF2B5EF4-FFF2-40B4-BE49-F238E27FC236}">
@@ -3590,6 +3652,93 @@
           </a:prstGeom>
         </p:spPr>
       </p:pic>
+      <p:cxnSp>
+        <p:nvCxnSpPr>
+          <p:cNvPr id="6" name="Lige pilforbindelse 5">
+            <a:extLst>
+              <a:ext uri="{FF2B5EF4-FFF2-40B4-BE49-F238E27FC236}">
+                <a16:creationId xmlns:a16="http://schemas.microsoft.com/office/drawing/2014/main" id="{0A42803B-3577-160C-E925-22DD4A1F6453}"/>
+              </a:ext>
+            </a:extLst>
+          </p:cNvPr>
+          <p:cNvCxnSpPr/>
+          <p:nvPr/>
+        </p:nvCxnSpPr>
+        <p:spPr>
+          <a:xfrm flipH="1">
+            <a:off x="9477286" y="2435551"/>
+            <a:ext cx="606751" cy="0"/>
+          </a:xfrm>
+          <a:prstGeom prst="straightConnector1">
+            <a:avLst/>
+          </a:prstGeom>
+          <a:ln w="38100">
+            <a:solidFill>
+              <a:srgbClr val="FF0000"/>
+            </a:solidFill>
+            <a:tailEnd type="triangle"/>
+          </a:ln>
+        </p:spPr>
+        <p:style>
+          <a:lnRef idx="2">
+            <a:schemeClr val="accent2"/>
+          </a:lnRef>
+          <a:fillRef idx="0">
+            <a:schemeClr val="accent2"/>
+          </a:fillRef>
+          <a:effectRef idx="1">
+            <a:schemeClr val="accent2"/>
+          </a:effectRef>
+          <a:fontRef idx="minor">
+            <a:schemeClr val="tx1"/>
+          </a:fontRef>
+        </p:style>
+      </p:cxnSp>
+      <p:cxnSp>
+        <p:nvCxnSpPr>
+          <p:cNvPr id="7" name="Lige pilforbindelse 6">
+            <a:extLst>
+              <a:ext uri="{FF2B5EF4-FFF2-40B4-BE49-F238E27FC236}">
+                <a16:creationId xmlns:a16="http://schemas.microsoft.com/office/drawing/2014/main" id="{DE2619EF-C873-FC5E-20D1-3B0C31C2C5F5}"/>
+              </a:ext>
+            </a:extLst>
+          </p:cNvPr>
+          <p:cNvCxnSpPr/>
+          <p:nvPr/>
+        </p:nvCxnSpPr>
+        <p:spPr>
+          <a:xfrm flipH="1">
+            <a:off x="9477286" y="2912697"/>
+            <a:ext cx="606751" cy="0"/>
+          </a:xfrm>
+          <a:prstGeom prst="straightConnector1">
+            <a:avLst/>
+          </a:prstGeom>
+          <a:ln w="38100">
+            <a:solidFill>
+              <a:schemeClr val="tx2">
+                <a:lumMod val="90000"/>
+                <a:lumOff val="10000"/>
+              </a:schemeClr>
+            </a:solidFill>
+            <a:tailEnd type="triangle"/>
+          </a:ln>
+        </p:spPr>
+        <p:style>
+          <a:lnRef idx="2">
+            <a:schemeClr val="accent2"/>
+          </a:lnRef>
+          <a:fillRef idx="0">
+            <a:schemeClr val="accent2"/>
+          </a:fillRef>
+          <a:effectRef idx="1">
+            <a:schemeClr val="accent2"/>
+          </a:effectRef>
+          <a:fontRef idx="minor">
+            <a:schemeClr val="tx1"/>
+          </a:fontRef>
+        </p:style>
+      </p:cxnSp>
     </p:spTree>
     <p:extLst>
       <p:ext uri="{BB962C8B-B14F-4D97-AF65-F5344CB8AC3E}">
@@ -3603,7 +3752,7 @@
 </p:sld>
 </file>
 
-<file path=ppt/slides/slide12.xml><?xml version="1.0" encoding="utf-8"?>
+<file path=ppt/slides/slide13.xml><?xml version="1.0" encoding="utf-8"?>
 <p:sld xmlns:a="http://schemas.openxmlformats.org/drawingml/2006/main" xmlns:r="http://schemas.openxmlformats.org/officeDocument/2006/relationships" xmlns:p="http://schemas.openxmlformats.org/presentationml/2006/main">
   <p:cSld>
     <p:spTree>
@@ -3650,10 +3799,347 @@
           </a:prstGeom>
         </p:spPr>
       </p:pic>
+      <p:cxnSp>
+        <p:nvCxnSpPr>
+          <p:cNvPr id="2" name="Lige pilforbindelse 1">
+            <a:extLst>
+              <a:ext uri="{FF2B5EF4-FFF2-40B4-BE49-F238E27FC236}">
+                <a16:creationId xmlns:a16="http://schemas.microsoft.com/office/drawing/2014/main" id="{C2A60CB2-8590-7094-1DF4-BF7635135E9A}"/>
+              </a:ext>
+            </a:extLst>
+          </p:cNvPr>
+          <p:cNvCxnSpPr>
+            <a:cxnSpLocks/>
+          </p:cNvCxnSpPr>
+          <p:nvPr/>
+        </p:nvCxnSpPr>
+        <p:spPr>
+          <a:xfrm flipH="1">
+            <a:off x="9272187" y="811850"/>
+            <a:ext cx="435835" cy="350378"/>
+          </a:xfrm>
+          <a:prstGeom prst="straightConnector1">
+            <a:avLst/>
+          </a:prstGeom>
+          <a:ln w="38100">
+            <a:solidFill>
+              <a:srgbClr val="FF0000"/>
+            </a:solidFill>
+            <a:tailEnd type="triangle"/>
+          </a:ln>
+        </p:spPr>
+        <p:style>
+          <a:lnRef idx="2">
+            <a:schemeClr val="accent2"/>
+          </a:lnRef>
+          <a:fillRef idx="0">
+            <a:schemeClr val="accent2"/>
+          </a:fillRef>
+          <a:effectRef idx="1">
+            <a:schemeClr val="accent2"/>
+          </a:effectRef>
+          <a:fontRef idx="minor">
+            <a:schemeClr val="tx1"/>
+          </a:fontRef>
+        </p:style>
+      </p:cxnSp>
+      <p:cxnSp>
+        <p:nvCxnSpPr>
+          <p:cNvPr id="3" name="Lige pilforbindelse 2">
+            <a:extLst>
+              <a:ext uri="{FF2B5EF4-FFF2-40B4-BE49-F238E27FC236}">
+                <a16:creationId xmlns:a16="http://schemas.microsoft.com/office/drawing/2014/main" id="{6BF922F5-F47D-8158-496C-76449A271E89}"/>
+              </a:ext>
+            </a:extLst>
+          </p:cNvPr>
+          <p:cNvCxnSpPr>
+            <a:cxnSpLocks/>
+          </p:cNvCxnSpPr>
+          <p:nvPr/>
+        </p:nvCxnSpPr>
+        <p:spPr>
+          <a:xfrm flipH="1">
+            <a:off x="9304945" y="2401368"/>
+            <a:ext cx="403077" cy="383136"/>
+          </a:xfrm>
+          <a:prstGeom prst="straightConnector1">
+            <a:avLst/>
+          </a:prstGeom>
+          <a:ln w="38100">
+            <a:solidFill>
+              <a:schemeClr val="tx2">
+                <a:lumMod val="90000"/>
+                <a:lumOff val="10000"/>
+              </a:schemeClr>
+            </a:solidFill>
+            <a:tailEnd type="triangle"/>
+          </a:ln>
+        </p:spPr>
+        <p:style>
+          <a:lnRef idx="2">
+            <a:schemeClr val="accent2"/>
+          </a:lnRef>
+          <a:fillRef idx="0">
+            <a:schemeClr val="accent2"/>
+          </a:fillRef>
+          <a:effectRef idx="1">
+            <a:schemeClr val="accent2"/>
+          </a:effectRef>
+          <a:fontRef idx="minor">
+            <a:schemeClr val="tx1"/>
+          </a:fontRef>
+        </p:style>
+      </p:cxnSp>
     </p:spTree>
     <p:extLst>
       <p:ext uri="{BB962C8B-B14F-4D97-AF65-F5344CB8AC3E}">
         <p14:creationId xmlns:p14="http://schemas.microsoft.com/office/powerpoint/2010/main" val="258003655"/>
+      </p:ext>
+    </p:extLst>
+  </p:cSld>
+  <p:clrMapOvr>
+    <a:masterClrMapping/>
+  </p:clrMapOvr>
+</p:sld>
+</file>
+
+<file path=ppt/slides/slide14.xml><?xml version="1.0" encoding="utf-8"?>
+<p:sld xmlns:a="http://schemas.openxmlformats.org/drawingml/2006/main" xmlns:r="http://schemas.openxmlformats.org/officeDocument/2006/relationships" xmlns:p="http://schemas.openxmlformats.org/presentationml/2006/main">
+  <p:cSld>
+    <p:spTree>
+      <p:nvGrpSpPr>
+        <p:cNvPr id="1" name=""/>
+        <p:cNvGrpSpPr/>
+        <p:nvPr/>
+      </p:nvGrpSpPr>
+      <p:grpSpPr>
+        <a:xfrm>
+          <a:off x="0" y="0"/>
+          <a:ext cx="0" cy="0"/>
+          <a:chOff x="0" y="0"/>
+          <a:chExt cx="0" cy="0"/>
+        </a:xfrm>
+      </p:grpSpPr>
+      <p:pic>
+        <p:nvPicPr>
+          <p:cNvPr id="5" name="Billede 4">
+            <a:extLst>
+              <a:ext uri="{FF2B5EF4-FFF2-40B4-BE49-F238E27FC236}">
+                <a16:creationId xmlns:a16="http://schemas.microsoft.com/office/drawing/2014/main" id="{53363A5B-4FB6-428F-CDC6-19E9C48DF595}"/>
+              </a:ext>
+            </a:extLst>
+          </p:cNvPr>
+          <p:cNvPicPr>
+            <a:picLocks noChangeAspect="1"/>
+          </p:cNvPicPr>
+          <p:nvPr/>
+        </p:nvPicPr>
+        <p:blipFill>
+          <a:blip r:embed="rId2"/>
+          <a:stretch>
+            <a:fillRect/>
+          </a:stretch>
+        </p:blipFill>
+        <p:spPr>
+          <a:xfrm>
+            <a:off x="281948" y="686939"/>
+            <a:ext cx="5732772" cy="5484122"/>
+          </a:xfrm>
+          <a:prstGeom prst="rect">
+            <a:avLst/>
+          </a:prstGeom>
+        </p:spPr>
+      </p:pic>
+      <p:pic>
+        <p:nvPicPr>
+          <p:cNvPr id="7" name="Billede 6">
+            <a:extLst>
+              <a:ext uri="{FF2B5EF4-FFF2-40B4-BE49-F238E27FC236}">
+                <a16:creationId xmlns:a16="http://schemas.microsoft.com/office/drawing/2014/main" id="{EACF37C3-F40A-B13E-28CF-5C3259585702}"/>
+              </a:ext>
+            </a:extLst>
+          </p:cNvPr>
+          <p:cNvPicPr>
+            <a:picLocks noChangeAspect="1"/>
+          </p:cNvPicPr>
+          <p:nvPr/>
+        </p:nvPicPr>
+        <p:blipFill>
+          <a:blip r:embed="rId3"/>
+          <a:stretch>
+            <a:fillRect/>
+          </a:stretch>
+        </p:blipFill>
+        <p:spPr>
+          <a:xfrm>
+            <a:off x="6096000" y="705053"/>
+            <a:ext cx="5933440" cy="5478084"/>
+          </a:xfrm>
+          <a:prstGeom prst="rect">
+            <a:avLst/>
+          </a:prstGeom>
+        </p:spPr>
+      </p:pic>
+      <p:sp>
+        <p:nvSpPr>
+          <p:cNvPr id="8" name="Rektangel 7">
+            <a:extLst>
+              <a:ext uri="{FF2B5EF4-FFF2-40B4-BE49-F238E27FC236}">
+                <a16:creationId xmlns:a16="http://schemas.microsoft.com/office/drawing/2014/main" id="{CF424B3E-11BE-1E44-80D8-CF48D859727D}"/>
+              </a:ext>
+            </a:extLst>
+          </p:cNvPr>
+          <p:cNvSpPr/>
+          <p:nvPr/>
+        </p:nvSpPr>
+        <p:spPr>
+          <a:xfrm>
+            <a:off x="2217728" y="1298961"/>
+            <a:ext cx="3247402" cy="965674"/>
+          </a:xfrm>
+          <a:prstGeom prst="rect">
+            <a:avLst/>
+          </a:prstGeom>
+          <a:solidFill>
+            <a:schemeClr val="bg1"/>
+          </a:solidFill>
+          <a:ln>
+            <a:noFill/>
+          </a:ln>
+        </p:spPr>
+        <p:style>
+          <a:lnRef idx="2">
+            <a:schemeClr val="accent1">
+              <a:shade val="15000"/>
+            </a:schemeClr>
+          </a:lnRef>
+          <a:fillRef idx="1">
+            <a:schemeClr val="accent1"/>
+          </a:fillRef>
+          <a:effectRef idx="0">
+            <a:schemeClr val="accent1"/>
+          </a:effectRef>
+          <a:fontRef idx="minor">
+            <a:schemeClr val="lt1"/>
+          </a:fontRef>
+        </p:style>
+        <p:txBody>
+          <a:bodyPr rtlCol="0" anchor="ctr"/>
+          <a:lstStyle/>
+          <a:p>
+            <a:pPr algn="ctr"/>
+            <a:endParaRPr lang="da-DK"/>
+          </a:p>
+        </p:txBody>
+      </p:sp>
+      <p:sp>
+        <p:nvSpPr>
+          <p:cNvPr id="9" name="Rektangel 8">
+            <a:extLst>
+              <a:ext uri="{FF2B5EF4-FFF2-40B4-BE49-F238E27FC236}">
+                <a16:creationId xmlns:a16="http://schemas.microsoft.com/office/drawing/2014/main" id="{9D255524-0DC1-21ED-24B3-82635EE9CB21}"/>
+              </a:ext>
+            </a:extLst>
+          </p:cNvPr>
+          <p:cNvSpPr/>
+          <p:nvPr/>
+        </p:nvSpPr>
+        <p:spPr>
+          <a:xfrm>
+            <a:off x="2929880" y="1781798"/>
+            <a:ext cx="2043772" cy="965674"/>
+          </a:xfrm>
+          <a:prstGeom prst="rect">
+            <a:avLst/>
+          </a:prstGeom>
+          <a:solidFill>
+            <a:schemeClr val="bg1"/>
+          </a:solidFill>
+          <a:ln>
+            <a:noFill/>
+          </a:ln>
+        </p:spPr>
+        <p:style>
+          <a:lnRef idx="2">
+            <a:schemeClr val="accent1">
+              <a:shade val="15000"/>
+            </a:schemeClr>
+          </a:lnRef>
+          <a:fillRef idx="1">
+            <a:schemeClr val="accent1"/>
+          </a:fillRef>
+          <a:effectRef idx="0">
+            <a:schemeClr val="accent1"/>
+          </a:effectRef>
+          <a:fontRef idx="minor">
+            <a:schemeClr val="lt1"/>
+          </a:fontRef>
+        </p:style>
+        <p:txBody>
+          <a:bodyPr rtlCol="0" anchor="ctr"/>
+          <a:lstStyle/>
+          <a:p>
+            <a:pPr algn="ctr"/>
+            <a:endParaRPr lang="da-DK"/>
+          </a:p>
+        </p:txBody>
+      </p:sp>
+      <p:sp>
+        <p:nvSpPr>
+          <p:cNvPr id="10" name="Rektangel 9">
+            <a:extLst>
+              <a:ext uri="{FF2B5EF4-FFF2-40B4-BE49-F238E27FC236}">
+                <a16:creationId xmlns:a16="http://schemas.microsoft.com/office/drawing/2014/main" id="{24E18039-BE08-5440-C61E-6407F215E9DA}"/>
+              </a:ext>
+            </a:extLst>
+          </p:cNvPr>
+          <p:cNvSpPr/>
+          <p:nvPr/>
+        </p:nvSpPr>
+        <p:spPr>
+          <a:xfrm>
+            <a:off x="8134332" y="1478422"/>
+            <a:ext cx="3247402" cy="1269050"/>
+          </a:xfrm>
+          <a:prstGeom prst="rect">
+            <a:avLst/>
+          </a:prstGeom>
+          <a:solidFill>
+            <a:schemeClr val="bg1"/>
+          </a:solidFill>
+          <a:ln>
+            <a:noFill/>
+          </a:ln>
+        </p:spPr>
+        <p:style>
+          <a:lnRef idx="2">
+            <a:schemeClr val="accent1">
+              <a:shade val="15000"/>
+            </a:schemeClr>
+          </a:lnRef>
+          <a:fillRef idx="1">
+            <a:schemeClr val="accent1"/>
+          </a:fillRef>
+          <a:effectRef idx="0">
+            <a:schemeClr val="accent1"/>
+          </a:effectRef>
+          <a:fontRef idx="minor">
+            <a:schemeClr val="lt1"/>
+          </a:fontRef>
+        </p:style>
+        <p:txBody>
+          <a:bodyPr rtlCol="0" anchor="ctr"/>
+          <a:lstStyle/>
+          <a:p>
+            <a:pPr algn="ctr"/>
+            <a:endParaRPr lang="da-DK"/>
+          </a:p>
+        </p:txBody>
+      </p:sp>
+    </p:spTree>
+    <p:extLst>
+      <p:ext uri="{BB962C8B-B14F-4D97-AF65-F5344CB8AC3E}">
+        <p14:creationId xmlns:p14="http://schemas.microsoft.com/office/powerpoint/2010/main" val="3261728665"/>
       </p:ext>
     </p:extLst>
   </p:cSld>
@@ -4096,7 +4582,7 @@
         </p:nvGrpSpPr>
         <p:grpSpPr>
           <a:xfrm>
-            <a:off x="2059609" y="782569"/>
+            <a:off x="2059609" y="1406411"/>
             <a:ext cx="8072782" cy="3426515"/>
             <a:chOff x="1849783" y="2107786"/>
             <a:chExt cx="8072782" cy="3426515"/>
@@ -4185,12 +4671,114 @@
           </p:txBody>
         </p:sp>
       </p:grpSp>
+      <p:sp>
+        <p:nvSpPr>
+          <p:cNvPr id="3" name="Title 1">
+            <a:extLst>
+              <a:ext uri="{FF2B5EF4-FFF2-40B4-BE49-F238E27FC236}">
+                <a16:creationId xmlns:a16="http://schemas.microsoft.com/office/drawing/2014/main" id="{A11D9FE8-B464-B81B-ED07-DC6764B92ACC}"/>
+              </a:ext>
+            </a:extLst>
+          </p:cNvPr>
+          <p:cNvSpPr>
+            <a:spLocks noGrp="1"/>
+          </p:cNvSpPr>
+          <p:nvPr>
+            <p:ph type="title"/>
+          </p:nvPr>
+        </p:nvSpPr>
+        <p:spPr>
+          <a:xfrm>
+            <a:off x="838200" y="365125"/>
+            <a:ext cx="10515600" cy="849435"/>
+          </a:xfrm>
+        </p:spPr>
+        <p:txBody>
+          <a:bodyPr/>
+          <a:lstStyle/>
+          <a:p>
+            <a:r>
+              <a:rPr lang="da-DK" sz="4400" dirty="0" err="1"/>
+              <a:t>Linear</a:t>
+            </a:r>
+            <a:r>
+              <a:rPr lang="da-DK" sz="4400" dirty="0"/>
+              <a:t> </a:t>
+            </a:r>
+            <a:r>
+              <a:rPr lang="da-DK" sz="4400" dirty="0" err="1"/>
+              <a:t>phase</a:t>
+            </a:r>
+            <a:endParaRPr lang="en-US" dirty="0"/>
+          </a:p>
+        </p:txBody>
+      </p:sp>
+    </p:spTree>
+    <p:extLst>
+      <p:ext uri="{BB962C8B-B14F-4D97-AF65-F5344CB8AC3E}">
+        <p14:creationId xmlns:p14="http://schemas.microsoft.com/office/powerpoint/2010/main" val="452207639"/>
+      </p:ext>
+    </p:extLst>
+  </p:cSld>
+  <p:clrMapOvr>
+    <a:masterClrMapping/>
+  </p:clrMapOvr>
+</p:sld>
+</file>
+
+<file path=ppt/slides/slide6.xml><?xml version="1.0" encoding="utf-8"?>
+<p:sld xmlns:a="http://schemas.openxmlformats.org/drawingml/2006/main" xmlns:r="http://schemas.openxmlformats.org/officeDocument/2006/relationships" xmlns:p="http://schemas.openxmlformats.org/presentationml/2006/main">
+  <p:cSld>
+    <p:spTree>
+      <p:nvGrpSpPr>
+        <p:cNvPr id="1" name=""/>
+        <p:cNvGrpSpPr/>
+        <p:nvPr/>
+      </p:nvGrpSpPr>
+      <p:grpSpPr>
+        <a:xfrm>
+          <a:off x="0" y="0"/>
+          <a:ext cx="0" cy="0"/>
+          <a:chOff x="0" y="0"/>
+          <a:chExt cx="0" cy="0"/>
+        </a:xfrm>
+      </p:grpSpPr>
       <p:pic>
         <p:nvPicPr>
           <p:cNvPr id="7" name="Picture 6" descr="A close-up of a mathematical equation&#10;&#10;Description automatically generated">
             <a:extLst>
               <a:ext uri="{FF2B5EF4-FFF2-40B4-BE49-F238E27FC236}">
                 <a16:creationId xmlns:a16="http://schemas.microsoft.com/office/drawing/2014/main" id="{53064D38-7925-7760-5ED4-81FD8D2D95AB}"/>
+              </a:ext>
+            </a:extLst>
+          </p:cNvPr>
+          <p:cNvPicPr>
+            <a:picLocks noChangeAspect="1"/>
+          </p:cNvPicPr>
+          <p:nvPr/>
+        </p:nvPicPr>
+        <p:blipFill>
+          <a:blip r:embed="rId2"/>
+          <a:stretch>
+            <a:fillRect/>
+          </a:stretch>
+        </p:blipFill>
+        <p:spPr>
+          <a:xfrm>
+            <a:off x="2530544" y="5192700"/>
+            <a:ext cx="7130911" cy="1084607"/>
+          </a:xfrm>
+          <a:prstGeom prst="rect">
+            <a:avLst/>
+          </a:prstGeom>
+        </p:spPr>
+      </p:pic>
+      <p:pic>
+        <p:nvPicPr>
+          <p:cNvPr id="5" name="Billede 4">
+            <a:extLst>
+              <a:ext uri="{FF2B5EF4-FFF2-40B4-BE49-F238E27FC236}">
+                <a16:creationId xmlns:a16="http://schemas.microsoft.com/office/drawing/2014/main" id="{979700FC-1031-84D9-3F4F-0613A20BB88B}"/>
               </a:ext>
             </a:extLst>
           </p:cNvPr>
@@ -4207,18 +4795,68 @@
         </p:blipFill>
         <p:spPr>
           <a:xfrm>
-            <a:off x="2403545" y="4543218"/>
-            <a:ext cx="7130911" cy="1084607"/>
+            <a:off x="2181745" y="1281870"/>
+            <a:ext cx="7828510" cy="3757005"/>
           </a:xfrm>
           <a:prstGeom prst="rect">
             <a:avLst/>
           </a:prstGeom>
         </p:spPr>
       </p:pic>
+      <p:sp>
+        <p:nvSpPr>
+          <p:cNvPr id="6" name="Title 1">
+            <a:extLst>
+              <a:ext uri="{FF2B5EF4-FFF2-40B4-BE49-F238E27FC236}">
+                <a16:creationId xmlns:a16="http://schemas.microsoft.com/office/drawing/2014/main" id="{F6EDB9E5-F26C-2F0F-093F-AE10620803C6}"/>
+              </a:ext>
+            </a:extLst>
+          </p:cNvPr>
+          <p:cNvSpPr>
+            <a:spLocks noGrp="1"/>
+          </p:cNvSpPr>
+          <p:nvPr>
+            <p:ph type="title"/>
+          </p:nvPr>
+        </p:nvSpPr>
+        <p:spPr>
+          <a:xfrm>
+            <a:off x="838200" y="365125"/>
+            <a:ext cx="10515600" cy="849435"/>
+          </a:xfrm>
+        </p:spPr>
+        <p:txBody>
+          <a:bodyPr/>
+          <a:lstStyle/>
+          <a:p>
+            <a:r>
+              <a:rPr lang="da-DK" sz="4400" dirty="0" err="1"/>
+              <a:t>Symmetric</a:t>
+            </a:r>
+            <a:r>
+              <a:rPr lang="da-DK" sz="4400" dirty="0"/>
+              <a:t> </a:t>
+            </a:r>
+            <a:r>
+              <a:rPr lang="da-DK" sz="4400" dirty="0" err="1"/>
+              <a:t>impulse</a:t>
+            </a:r>
+            <a:r>
+              <a:rPr lang="da-DK" sz="4400" dirty="0"/>
+              <a:t> </a:t>
+            </a:r>
+            <a:r>
+              <a:rPr lang="da-DK" sz="4400" dirty="0" err="1"/>
+              <a:t>response</a:t>
+            </a:r>
+            <a:endParaRPr lang="en-US" dirty="0"/>
+          </a:p>
+        </p:txBody>
+      </p:sp>
     </p:spTree>
     <p:extLst>
       <p:ext uri="{BB962C8B-B14F-4D97-AF65-F5344CB8AC3E}">
-        <p14:creationId xmlns:p14="http://schemas.microsoft.com/office/powerpoint/2010/main" val="452207639"/>
+        <p14:creationId xmlns:p14="http://schemas.microsoft.com/office/powerpoint/2010/main" val="3154002671"/>
       </p:ext>
     </p:extLst>
   </p:cSld>
@@ -4228,7 +4866,7 @@
 </p:sld>
 </file>
 
-<file path=ppt/slides/slide6.xml><?xml version="1.0" encoding="utf-8"?>
+<file path=ppt/slides/slide7.xml><?xml version="1.0" encoding="utf-8"?>
 <p:sld xmlns:a="http://schemas.openxmlformats.org/drawingml/2006/main" xmlns:r="http://schemas.openxmlformats.org/officeDocument/2006/relationships" xmlns:p="http://schemas.openxmlformats.org/presentationml/2006/main">
   <p:cSld>
     <p:spTree>
@@ -4288,7 +4926,7 @@
 </p:sld>
 </file>
 
-<file path=ppt/slides/slide7.xml><?xml version="1.0" encoding="utf-8"?>
+<file path=ppt/slides/slide8.xml><?xml version="1.0" encoding="utf-8"?>
 <p:sld xmlns:a="http://schemas.openxmlformats.org/drawingml/2006/main" xmlns:r="http://schemas.openxmlformats.org/officeDocument/2006/relationships" xmlns:p="http://schemas.openxmlformats.org/presentationml/2006/main">
   <p:cSld>
     <p:spTree>
@@ -4348,7 +4986,7 @@
 </p:sld>
 </file>
 
-<file path=ppt/slides/slide8.xml><?xml version="1.0" encoding="utf-8"?>
+<file path=ppt/slides/slide9.xml><?xml version="1.0" encoding="utf-8"?>
 <p:sld xmlns:a="http://schemas.openxmlformats.org/drawingml/2006/main" xmlns:r="http://schemas.openxmlformats.org/officeDocument/2006/relationships" xmlns:p="http://schemas.openxmlformats.org/presentationml/2006/main">
   <p:cSld>
     <p:spTree>
@@ -4399,66 +5037,6 @@
     <p:extLst>
       <p:ext uri="{BB962C8B-B14F-4D97-AF65-F5344CB8AC3E}">
         <p14:creationId xmlns:p14="http://schemas.microsoft.com/office/powerpoint/2010/main" val="3261925914"/>
-      </p:ext>
-    </p:extLst>
-  </p:cSld>
-  <p:clrMapOvr>
-    <a:masterClrMapping/>
-  </p:clrMapOvr>
-</p:sld>
-</file>
-
-<file path=ppt/slides/slide9.xml><?xml version="1.0" encoding="utf-8"?>
-<p:sld xmlns:a="http://schemas.openxmlformats.org/drawingml/2006/main" xmlns:r="http://schemas.openxmlformats.org/officeDocument/2006/relationships" xmlns:p="http://schemas.openxmlformats.org/presentationml/2006/main">
-  <p:cSld>
-    <p:spTree>
-      <p:nvGrpSpPr>
-        <p:cNvPr id="1" name=""/>
-        <p:cNvGrpSpPr/>
-        <p:nvPr/>
-      </p:nvGrpSpPr>
-      <p:grpSpPr>
-        <a:xfrm>
-          <a:off x="0" y="0"/>
-          <a:ext cx="0" cy="0"/>
-          <a:chOff x="0" y="0"/>
-          <a:chExt cx="0" cy="0"/>
-        </a:xfrm>
-      </p:grpSpPr>
-      <p:pic>
-        <p:nvPicPr>
-          <p:cNvPr id="4" name="Picture 3" descr="A diagram of a graph&#10;&#10;Description automatically generated">
-            <a:extLst>
-              <a:ext uri="{FF2B5EF4-FFF2-40B4-BE49-F238E27FC236}">
-                <a16:creationId xmlns:a16="http://schemas.microsoft.com/office/drawing/2014/main" id="{4853C189-9753-EF61-2092-E3F3C3EA3668}"/>
-              </a:ext>
-            </a:extLst>
-          </p:cNvPr>
-          <p:cNvPicPr>
-            <a:picLocks noChangeAspect="1"/>
-          </p:cNvPicPr>
-          <p:nvPr/>
-        </p:nvPicPr>
-        <p:blipFill>
-          <a:blip r:embed="rId2"/>
-          <a:stretch>
-            <a:fillRect/>
-          </a:stretch>
-        </p:blipFill>
-        <p:spPr>
-          <a:xfrm>
-            <a:off x="2700338" y="1071563"/>
-            <a:ext cx="6791325" cy="4714875"/>
-          </a:xfrm>
-          <a:prstGeom prst="rect">
-            <a:avLst/>
-          </a:prstGeom>
-        </p:spPr>
-      </p:pic>
-    </p:spTree>
-    <p:extLst>
-      <p:ext uri="{BB962C8B-B14F-4D97-AF65-F5344CB8AC3E}">
-        <p14:creationId xmlns:p14="http://schemas.microsoft.com/office/powerpoint/2010/main" val="967736194"/>
       </p:ext>
     </p:extLst>
   </p:cSld>
